--- a/ΠΑΡΟΥΣΙΑΣΗ_ΕΡΓΑΣΙΑΣ_ΟΜΑΔΑ_25.pptx
+++ b/ΠΑΡΟΥΣΙΑΣΗ_ΕΡΓΑΣΙΑΣ_ΟΜΑΔΑ_25.pptx
@@ -126,15 +126,7 @@
 <file path=ppt/revisionInfo.xml><?xml version="1.0" encoding="utf-8"?>
 <p1510:revInfo xmlns:a="http://schemas.openxmlformats.org/drawingml/2006/main" xmlns:r="http://schemas.openxmlformats.org/officeDocument/2006/relationships" xmlns:p1510="http://schemas.microsoft.com/office/powerpoint/2015/10/main">
   <p1510:revLst>
-    <p1510:client id="{0E38F964-2384-6FBA-70E1-1FBA3B3B5E2B}" v="42" dt="2025-05-29T22:10:42.043"/>
-    <p1510:client id="{2B1AC0E8-CC4D-4B4E-A796-D286B15A9587}" v="162" dt="2025-05-30T20:18:05.207"/>
-    <p1510:client id="{3BF2BA68-4EA5-4E0D-89F5-4BC96C9C0394}" v="20" dt="2025-05-29T21:38:31.227"/>
-    <p1510:client id="{3D2BB614-ABA0-A3E4-1FC6-B57616EED684}" v="1464" dt="2025-05-30T21:31:15.218"/>
-    <p1510:client id="{61D09584-0D06-A689-054E-6ED5ED4FECD2}" v="42" dt="2025-05-29T21:34:56.332"/>
-    <p1510:client id="{832C0FDE-60B3-F0F2-A758-195AD744BB2F}" v="11" dt="2025-05-31T12:42:49.448"/>
-    <p1510:client id="{8EA50CA8-61DC-BE35-A34D-40143A1BCF7D}" v="89" dt="2025-05-30T20:09:08.346"/>
-    <p1510:client id="{A52C219F-9201-54F7-767C-555FEE77BDC8}" v="32" dt="2025-05-31T11:43:58.203"/>
-    <p1510:client id="{A6F93CC8-EFD8-5C3B-4C5F-8F4FF1E98587}" v="3" dt="2025-05-31T10:25:12.694"/>
+    <p1510:client id="{EE398F14-B4FD-6E6A-A10E-C5989714EAFB}" v="14" dt="2025-06-25T22:16:23.503"/>
   </p1510:revLst>
 </p1510:revInfo>
 </file>
@@ -268,7 +260,7 @@
           <a:p>
             <a:fld id="{846CE7D5-CF57-46EF-B807-FDD0502418D4}" type="datetimeFigureOut">
               <a:rPr lang="en-US" smtClean="0"/>
-              <a:t>5/31/2025</a:t>
+              <a:t>6/25/2025</a:t>
             </a:fld>
             <a:endParaRPr lang="en-US"/>
           </a:p>
@@ -439,7 +431,7 @@
           <a:p>
             <a:fld id="{846CE7D5-CF57-46EF-B807-FDD0502418D4}" type="datetimeFigureOut">
               <a:rPr lang="en-US" smtClean="0"/>
-              <a:t>5/31/2025</a:t>
+              <a:t>6/25/2025</a:t>
             </a:fld>
             <a:endParaRPr lang="en-US"/>
           </a:p>
@@ -620,7 +612,7 @@
           <a:p>
             <a:fld id="{846CE7D5-CF57-46EF-B807-FDD0502418D4}" type="datetimeFigureOut">
               <a:rPr lang="en-US" smtClean="0"/>
-              <a:t>5/31/2025</a:t>
+              <a:t>6/25/2025</a:t>
             </a:fld>
             <a:endParaRPr lang="en-US"/>
           </a:p>
@@ -791,7 +783,7 @@
           <a:p>
             <a:fld id="{846CE7D5-CF57-46EF-B807-FDD0502418D4}" type="datetimeFigureOut">
               <a:rPr lang="en-US" smtClean="0"/>
-              <a:t>5/31/2025</a:t>
+              <a:t>6/25/2025</a:t>
             </a:fld>
             <a:endParaRPr lang="en-US"/>
           </a:p>
@@ -1039,7 +1031,7 @@
           <a:p>
             <a:fld id="{846CE7D5-CF57-46EF-B807-FDD0502418D4}" type="datetimeFigureOut">
               <a:rPr lang="en-US" smtClean="0"/>
-              <a:t>5/31/2025</a:t>
+              <a:t>6/25/2025</a:t>
             </a:fld>
             <a:endParaRPr lang="en-US"/>
           </a:p>
@@ -1271,7 +1263,7 @@
           <a:p>
             <a:fld id="{846CE7D5-CF57-46EF-B807-FDD0502418D4}" type="datetimeFigureOut">
               <a:rPr lang="en-US" smtClean="0"/>
-              <a:t>5/31/2025</a:t>
+              <a:t>6/25/2025</a:t>
             </a:fld>
             <a:endParaRPr lang="en-US"/>
           </a:p>
@@ -1638,7 +1630,7 @@
           <a:p>
             <a:fld id="{846CE7D5-CF57-46EF-B807-FDD0502418D4}" type="datetimeFigureOut">
               <a:rPr lang="en-US" smtClean="0"/>
-              <a:t>5/31/2025</a:t>
+              <a:t>6/25/2025</a:t>
             </a:fld>
             <a:endParaRPr lang="en-US"/>
           </a:p>
@@ -1758,7 +1750,7 @@
           <a:p>
             <a:fld id="{846CE7D5-CF57-46EF-B807-FDD0502418D4}" type="datetimeFigureOut">
               <a:rPr lang="en-US" smtClean="0"/>
-              <a:t>5/31/2025</a:t>
+              <a:t>6/25/2025</a:t>
             </a:fld>
             <a:endParaRPr lang="en-US"/>
           </a:p>
@@ -1856,7 +1848,7 @@
           <a:p>
             <a:fld id="{846CE7D5-CF57-46EF-B807-FDD0502418D4}" type="datetimeFigureOut">
               <a:rPr lang="en-US" smtClean="0"/>
-              <a:t>5/31/2025</a:t>
+              <a:t>6/25/2025</a:t>
             </a:fld>
             <a:endParaRPr lang="en-US"/>
           </a:p>
@@ -2134,7 +2126,7 @@
           <a:p>
             <a:fld id="{846CE7D5-CF57-46EF-B807-FDD0502418D4}" type="datetimeFigureOut">
               <a:rPr lang="en-US" smtClean="0"/>
-              <a:t>5/31/2025</a:t>
+              <a:t>6/25/2025</a:t>
             </a:fld>
             <a:endParaRPr lang="en-US"/>
           </a:p>
@@ -2392,7 +2384,7 @@
           <a:p>
             <a:fld id="{846CE7D5-CF57-46EF-B807-FDD0502418D4}" type="datetimeFigureOut">
               <a:rPr lang="en-US" smtClean="0"/>
-              <a:t>5/31/2025</a:t>
+              <a:t>6/25/2025</a:t>
             </a:fld>
             <a:endParaRPr lang="en-US"/>
           </a:p>
@@ -2606,7 +2598,7 @@
           <a:p>
             <a:fld id="{846CE7D5-CF57-46EF-B807-FDD0502418D4}" type="datetimeFigureOut">
               <a:rPr lang="en-US" smtClean="0"/>
-              <a:t>5/31/2025</a:t>
+              <a:t>6/25/2025</a:t>
             </a:fld>
             <a:endParaRPr lang="en-US"/>
           </a:p>
@@ -10952,10 +10944,10 @@
       </p:sp>
       <p:pic>
         <p:nvPicPr>
-          <p:cNvPr id="4" name="Content Placeholder 3" descr="Picture 724720910, Picture">
+          <p:cNvPr id="3" name="Picture 2" descr="A diagram of a data flow&#10;&#10;AI-generated content may be incorrect.">
             <a:extLst>
               <a:ext uri="{FF2B5EF4-FFF2-40B4-BE49-F238E27FC236}">
-                <a16:creationId xmlns:a16="http://schemas.microsoft.com/office/drawing/2014/main" id="{00ABAEEC-DE23-6393-DCDE-8C538164370F}"/>
+                <a16:creationId xmlns:a16="http://schemas.microsoft.com/office/drawing/2014/main" id="{B3F27AB7-B081-6FD0-DE16-8105E8420245}"/>
               </a:ext>
             </a:extLst>
           </p:cNvPr>
@@ -10972,8 +10964,8 @@
         </p:blipFill>
         <p:spPr>
           <a:xfrm>
-            <a:off x="2344864" y="1396299"/>
-            <a:ext cx="7483455" cy="5291252"/>
+            <a:off x="2340827" y="1318516"/>
+            <a:ext cx="7501784" cy="5539483"/>
           </a:xfrm>
           <a:prstGeom prst="rect">
             <a:avLst/>
@@ -13695,10 +13687,10 @@
       </p:sp>
       <p:pic>
         <p:nvPicPr>
-          <p:cNvPr id="3" name="Picture 2" descr="A diagram of a computer program&#10;&#10;AI-generated content may be incorrect.">
+          <p:cNvPr id="4" name="Picture 3" descr="A diagram of a computer program&#10;&#10;AI-generated content may be incorrect.">
             <a:extLst>
               <a:ext uri="{FF2B5EF4-FFF2-40B4-BE49-F238E27FC236}">
-                <a16:creationId xmlns:a16="http://schemas.microsoft.com/office/drawing/2014/main" id="{C57DDE5A-F29E-15E4-2ADA-4B7762FA257F}"/>
+                <a16:creationId xmlns:a16="http://schemas.microsoft.com/office/drawing/2014/main" id="{95DAFF33-B8F0-9397-1827-8D8B4A4E5014}"/>
               </a:ext>
             </a:extLst>
           </p:cNvPr>
@@ -13715,8 +13707,8 @@
         </p:blipFill>
         <p:spPr>
           <a:xfrm>
-            <a:off x="6096000" y="117230"/>
-            <a:ext cx="4425462" cy="6623539"/>
+            <a:off x="6405196" y="107095"/>
+            <a:ext cx="4305300" cy="6448425"/>
           </a:xfrm>
           <a:prstGeom prst="rect">
             <a:avLst/>

--- a/ΠΑΡΟΥΣΙΑΣΗ_ΕΡΓΑΣΙΑΣ_ΟΜΑΔΑ_25.pptx
+++ b/ΠΑΡΟΥΣΙΑΣΗ_ΕΡΓΑΣΙΑΣ_ΟΜΑΔΑ_25.pptx
@@ -126,6 +126,7 @@
 <file path=ppt/revisionInfo.xml><?xml version="1.0" encoding="utf-8"?>
 <p1510:revInfo xmlns:a="http://schemas.openxmlformats.org/drawingml/2006/main" xmlns:r="http://schemas.openxmlformats.org/officeDocument/2006/relationships" xmlns:p1510="http://schemas.microsoft.com/office/powerpoint/2015/10/main">
   <p1510:revLst>
+    <p1510:client id="{2EEB41A2-E9D1-10D5-37F0-592B1E8D40C4}" v="22" dt="2025-06-27T08:56:22.267"/>
     <p1510:client id="{EE398F14-B4FD-6E6A-A10E-C5989714EAFB}" v="14" dt="2025-06-25T22:16:23.503"/>
   </p1510:revLst>
 </p1510:revInfo>
@@ -260,7 +261,7 @@
           <a:p>
             <a:fld id="{846CE7D5-CF57-46EF-B807-FDD0502418D4}" type="datetimeFigureOut">
               <a:rPr lang="en-US" smtClean="0"/>
-              <a:t>6/25/2025</a:t>
+              <a:t>6/27/2025</a:t>
             </a:fld>
             <a:endParaRPr lang="en-US"/>
           </a:p>
@@ -431,7 +432,7 @@
           <a:p>
             <a:fld id="{846CE7D5-CF57-46EF-B807-FDD0502418D4}" type="datetimeFigureOut">
               <a:rPr lang="en-US" smtClean="0"/>
-              <a:t>6/25/2025</a:t>
+              <a:t>6/27/2025</a:t>
             </a:fld>
             <a:endParaRPr lang="en-US"/>
           </a:p>
@@ -612,7 +613,7 @@
           <a:p>
             <a:fld id="{846CE7D5-CF57-46EF-B807-FDD0502418D4}" type="datetimeFigureOut">
               <a:rPr lang="en-US" smtClean="0"/>
-              <a:t>6/25/2025</a:t>
+              <a:t>6/27/2025</a:t>
             </a:fld>
             <a:endParaRPr lang="en-US"/>
           </a:p>
@@ -783,7 +784,7 @@
           <a:p>
             <a:fld id="{846CE7D5-CF57-46EF-B807-FDD0502418D4}" type="datetimeFigureOut">
               <a:rPr lang="en-US" smtClean="0"/>
-              <a:t>6/25/2025</a:t>
+              <a:t>6/27/2025</a:t>
             </a:fld>
             <a:endParaRPr lang="en-US"/>
           </a:p>
@@ -1031,7 +1032,7 @@
           <a:p>
             <a:fld id="{846CE7D5-CF57-46EF-B807-FDD0502418D4}" type="datetimeFigureOut">
               <a:rPr lang="en-US" smtClean="0"/>
-              <a:t>6/25/2025</a:t>
+              <a:t>6/27/2025</a:t>
             </a:fld>
             <a:endParaRPr lang="en-US"/>
           </a:p>
@@ -1263,7 +1264,7 @@
           <a:p>
             <a:fld id="{846CE7D5-CF57-46EF-B807-FDD0502418D4}" type="datetimeFigureOut">
               <a:rPr lang="en-US" smtClean="0"/>
-              <a:t>6/25/2025</a:t>
+              <a:t>6/27/2025</a:t>
             </a:fld>
             <a:endParaRPr lang="en-US"/>
           </a:p>
@@ -1630,7 +1631,7 @@
           <a:p>
             <a:fld id="{846CE7D5-CF57-46EF-B807-FDD0502418D4}" type="datetimeFigureOut">
               <a:rPr lang="en-US" smtClean="0"/>
-              <a:t>6/25/2025</a:t>
+              <a:t>6/27/2025</a:t>
             </a:fld>
             <a:endParaRPr lang="en-US"/>
           </a:p>
@@ -1750,7 +1751,7 @@
           <a:p>
             <a:fld id="{846CE7D5-CF57-46EF-B807-FDD0502418D4}" type="datetimeFigureOut">
               <a:rPr lang="en-US" smtClean="0"/>
-              <a:t>6/25/2025</a:t>
+              <a:t>6/27/2025</a:t>
             </a:fld>
             <a:endParaRPr lang="en-US"/>
           </a:p>
@@ -1848,7 +1849,7 @@
           <a:p>
             <a:fld id="{846CE7D5-CF57-46EF-B807-FDD0502418D4}" type="datetimeFigureOut">
               <a:rPr lang="en-US" smtClean="0"/>
-              <a:t>6/25/2025</a:t>
+              <a:t>6/27/2025</a:t>
             </a:fld>
             <a:endParaRPr lang="en-US"/>
           </a:p>
@@ -2126,7 +2127,7 @@
           <a:p>
             <a:fld id="{846CE7D5-CF57-46EF-B807-FDD0502418D4}" type="datetimeFigureOut">
               <a:rPr lang="en-US" smtClean="0"/>
-              <a:t>6/25/2025</a:t>
+              <a:t>6/27/2025</a:t>
             </a:fld>
             <a:endParaRPr lang="en-US"/>
           </a:p>
@@ -2384,7 +2385,7 @@
           <a:p>
             <a:fld id="{846CE7D5-CF57-46EF-B807-FDD0502418D4}" type="datetimeFigureOut">
               <a:rPr lang="en-US" smtClean="0"/>
-              <a:t>6/25/2025</a:t>
+              <a:t>6/27/2025</a:t>
             </a:fld>
             <a:endParaRPr lang="en-US"/>
           </a:p>
@@ -2598,7 +2599,7 @@
           <a:p>
             <a:fld id="{846CE7D5-CF57-46EF-B807-FDD0502418D4}" type="datetimeFigureOut">
               <a:rPr lang="en-US" smtClean="0"/>
-              <a:t>6/25/2025</a:t>
+              <a:t>6/27/2025</a:t>
             </a:fld>
             <a:endParaRPr lang="en-US"/>
           </a:p>
@@ -4474,13 +4475,13 @@
         </p:spPr>
         <p:txBody>
           <a:bodyPr>
-            <a:normAutofit/>
+            <a:normAutofit fontScale="90000"/>
           </a:bodyPr>
           <a:lstStyle/>
           <a:p>
             <a:r>
-              <a:rPr lang="en-US" sz="3200"/>
-              <a:t>ΔΙΑΓΡΑΜΜΑΤΑ ΠΕΡΙΠΤΩΣΗΣ ΧΡΗΣΗΣ</a:t>
+              <a:rPr lang="en-US" sz="3200" dirty="0"/>
+              <a:t>ΔΙΑΓΡΑΜΜΑΤΑ ΑΚΟΛΟΥΘΙΑΣ ΓΙΑ ΤΙΣ ΠΕΡΙΠΤΩΣΕΙΣ ΧΡΗΣΗΣ</a:t>
             </a:r>
           </a:p>
         </p:txBody>
@@ -4654,13 +4655,13 @@
               <a:buNone/>
             </a:pPr>
             <a:r>
-              <a:rPr lang="el-GR" sz="1400">
+              <a:rPr lang="el-GR" sz="1400" dirty="0">
                 <a:latin typeface="Times New Roman"/>
                 <a:cs typeface="Times New Roman"/>
               </a:rPr>
               <a:t>1η Περίπτωση:</a:t>
             </a:r>
-            <a:endParaRPr lang="en-US" sz="1400">
+            <a:endParaRPr lang="en-US" sz="1400" dirty="0">
               <a:latin typeface="Times New Roman"/>
               <a:cs typeface="Times New Roman"/>
             </a:endParaRPr>
@@ -4670,13 +4671,13 @@
               <a:buNone/>
             </a:pPr>
             <a:r>
-              <a:rPr lang="el-GR" sz="1400">
-                <a:latin typeface="Times New Roman"/>
-                <a:cs typeface="Times New Roman"/>
-              </a:rPr>
-              <a:t>Διάγραμμα περίπτωσης χρήσης (Βασική Ροή και ολοκλήρωση ανάλυσης ).</a:t>
-            </a:r>
-            <a:endParaRPr lang="en-US" sz="1400">
+              <a:rPr lang="el-GR" sz="1400" dirty="0">
+                <a:latin typeface="Times New Roman"/>
+                <a:cs typeface="Times New Roman"/>
+              </a:rPr>
+              <a:t>Διάγραμμα ακολουθίας (Βασική Ροή και ολοκλήρωση ανάλυσης ).</a:t>
+            </a:r>
+            <a:endParaRPr lang="en-US" sz="1400" dirty="0">
               <a:latin typeface="Times New Roman"/>
               <a:cs typeface="Times New Roman"/>
             </a:endParaRPr>
@@ -4937,13 +4938,13 @@
         </p:spPr>
         <p:txBody>
           <a:bodyPr>
-            <a:normAutofit/>
+            <a:normAutofit fontScale="90000"/>
           </a:bodyPr>
           <a:lstStyle/>
           <a:p>
             <a:r>
-              <a:rPr lang="en-US" sz="3200"/>
-              <a:t>ΔΙΑΓΡΑΜΜΑΤΑ ΠΕΡΙΠΤΩΣΗΣ ΧΡΗΣΗΣ </a:t>
+              <a:rPr lang="en-US" sz="2900" dirty="0"/>
+              <a:t>ΔΙΑΓΡΑΜΜΑΤΑ ΑΚΟΛΟΥΘΙΑΣ ΓΙΑ ΤΙΣ ΠΕΡΙΠΤΩΣΕΙΣ ΧΡΗΣΗΣ</a:t>
             </a:r>
           </a:p>
         </p:txBody>
@@ -5117,13 +5118,13 @@
               <a:buNone/>
             </a:pPr>
             <a:r>
-              <a:rPr lang="el-GR" sz="1400">
+              <a:rPr lang="el-GR" sz="1400" dirty="0">
                 <a:latin typeface="Times New Roman"/>
                 <a:cs typeface="Times New Roman"/>
               </a:rPr>
               <a:t>2η Περίπτωση:</a:t>
             </a:r>
-            <a:endParaRPr lang="en-US" sz="1400">
+            <a:endParaRPr lang="en-US" sz="1400" dirty="0">
               <a:latin typeface="Times New Roman"/>
               <a:cs typeface="Times New Roman"/>
             </a:endParaRPr>
@@ -5133,27 +5134,27 @@
               <a:buNone/>
             </a:pPr>
             <a:r>
-              <a:rPr lang="el-GR" sz="1400">
-                <a:latin typeface="Times New Roman"/>
-                <a:cs typeface="Times New Roman"/>
-              </a:rPr>
-              <a:t>Διάγραμμα περίπτωσης χρήσης (Εναλλακτική ροή Β και εισαγωγή </a:t>
-            </a:r>
-            <a:r>
-              <a:rPr lang="el-GR" sz="1400" err="1">
+              <a:rPr lang="el-GR" sz="1400" dirty="0">
+                <a:latin typeface="Times New Roman"/>
+                <a:cs typeface="Times New Roman"/>
+              </a:rPr>
+              <a:t>Διάγραμμα ακολουθίας (Εναλλακτική ροή Β και εισαγωγή </a:t>
+            </a:r>
+            <a:r>
+              <a:rPr lang="el-GR" sz="1400" dirty="0" err="1">
                 <a:latin typeface="Times New Roman"/>
                 <a:cs typeface="Times New Roman"/>
               </a:rPr>
               <a:t>dataset</a:t>
             </a:r>
             <a:r>
-              <a:rPr lang="el-GR" sz="1400">
+              <a:rPr lang="el-GR" sz="1400" dirty="0">
                 <a:latin typeface="Times New Roman"/>
                 <a:cs typeface="Times New Roman"/>
               </a:rPr>
               <a:t>).</a:t>
             </a:r>
-            <a:endParaRPr lang="en-US" sz="1400">
+            <a:endParaRPr lang="en-US" sz="1400" dirty="0">
               <a:latin typeface="Times New Roman"/>
               <a:cs typeface="Times New Roman"/>
             </a:endParaRPr>
